--- a/Document/Preliminary Submissions/4.1 Lean Canvas.pptx
+++ b/Document/Preliminary Submissions/4.1 Lean Canvas.pptx
@@ -1,8 +1,8 @@
 
 <file path=ppt/presentation.xml><?xml version="1.0" encoding="utf-8"?>
-<p:presentation xmlns:a="http://schemas.openxmlformats.org/drawingml/2006/main" xmlns:r="http://schemas.openxmlformats.org/officeDocument/2006/relationships" xmlns:p="http://schemas.openxmlformats.org/presentationml/2006/main">
+<p:presentation xmlns:r="http://schemas.openxmlformats.org/officeDocument/2006/relationships" xmlns:c="http://schemas.openxmlformats.org/drawingml/2006/chart" xmlns:a="http://schemas.openxmlformats.org/drawingml/2006/main" xmlns:dgm="http://schemas.openxmlformats.org/drawingml/2006/diagram" xmlns:dsp="http://schemas.microsoft.com/office/drawing/2008/diagram" xmlns:p="http://schemas.openxmlformats.org/presentationml/2006/main">
   <p:sldMasterIdLst>
-    <p:sldMasterId id="2147483648" r:id="rId1"/>
+    <p:sldMasterId id="2147483666" r:id="rId1"/>
   </p:sldMasterIdLst>
   <p:sldIdLst>
     <p:sldId id="256" r:id="rId2"/>
@@ -14,22 +14,6 @@
       <a:defRPr kern="0"/>
     </a:defPPr>
   </p:defaultTextStyle>
-  <p:extLst>
-    <p:ext uri="{EFAFB233-063F-42B5-8137-9DF3F51BA10A}">
-      <p15:sldGuideLst xmlns:p15="http://schemas.microsoft.com/office/powerpoint/2012/main">
-        <p15:guide id="1" orient="horz" pos="2880">
-          <p15:clr>
-            <a:srgbClr val="A4A3A4"/>
-          </p15:clr>
-        </p15:guide>
-        <p15:guide id="2" pos="2160">
-          <p15:clr>
-            <a:srgbClr val="A4A3A4"/>
-          </p15:clr>
-        </p15:guide>
-      </p15:sldGuideLst>
-    </p:ext>
-  </p:extLst>
 </p:presentation>
 </file>
 
@@ -1222,7 +1206,7 @@
 </file>
 
 <file path=ppt/slides/slide1.xml><?xml version="1.0" encoding="utf-8"?>
-<p:sld xmlns:a="http://schemas.openxmlformats.org/drawingml/2006/main" xmlns:r="http://schemas.openxmlformats.org/officeDocument/2006/relationships" xmlns:p="http://schemas.openxmlformats.org/presentationml/2006/main">
+<p:sld xmlns:r="http://schemas.openxmlformats.org/officeDocument/2006/relationships" xmlns:c="http://schemas.openxmlformats.org/drawingml/2006/chart" xmlns:a="http://schemas.openxmlformats.org/drawingml/2006/main" xmlns:dgm="http://schemas.openxmlformats.org/drawingml/2006/diagram" xmlns:dsp="http://schemas.microsoft.com/office/drawing/2008/diagram" xmlns:p="http://schemas.openxmlformats.org/presentationml/2006/main">
   <p:cSld>
     <p:spTree>
       <p:nvGrpSpPr>
@@ -1240,26 +1224,14 @@
       </p:grpSpPr>
       <p:pic>
         <p:nvPicPr>
-          <p:cNvPr id="7" name="그림 6" descr="텍스트, 스크린샷, 평행, 직사각형이(가) 표시된 사진&#10;&#10;자동 생성된 설명">
-            <a:extLst>
-              <a:ext uri="{FF2B5EF4-FFF2-40B4-BE49-F238E27FC236}">
-                <a16:creationId xmlns:a16="http://schemas.microsoft.com/office/drawing/2014/main" id="{280E6A98-24E9-0DEF-70D6-6EE9CAA1575E}"/>
-              </a:ext>
-            </a:extLst>
-          </p:cNvPr>
+          <p:cNvPr id="8" name="그림 6" descr="텍스트, 스크린샷, 평행, 직사각형이(가) 표시된 사진  자동 생성된 설명"/>
           <p:cNvPicPr>
             <a:picLocks noChangeAspect="1"/>
           </p:cNvPicPr>
           <p:nvPr/>
         </p:nvPicPr>
-        <p:blipFill>
-          <a:blip r:embed="rId2">
-            <a:extLst>
-              <a:ext uri="{28A0092B-C50C-407E-A947-70E740481C1C}">
-                <a14:useLocalDpi xmlns:a14="http://schemas.microsoft.com/office/drawing/2010/main" val="0"/>
-              </a:ext>
-            </a:extLst>
-          </a:blip>
+        <p:blipFill rotWithShape="1">
+          <a:blip r:embed="rId2"/>
           <a:stretch>
             <a:fillRect/>
           </a:stretch>
@@ -1274,50 +1246,1566 @@
           </a:prstGeom>
         </p:spPr>
       </p:pic>
+      <p:sp>
+        <p:nvSpPr>
+          <p:cNvPr id="9" name="TextBox 1"/>
+          <p:cNvSpPr txBox="1"/>
+          <p:nvPr/>
+        </p:nvSpPr>
+        <p:spPr>
+          <a:xfrm>
+            <a:off x="622300" y="1530350"/>
+            <a:ext cx="2667000" cy="5632311"/>
+          </a:xfrm>
+          <a:prstGeom prst="rect">
+            <a:avLst/>
+          </a:prstGeom>
+          <a:noFill/>
+        </p:spPr>
+        <p:txBody>
+          <a:bodyPr wrap="square">
+            <a:spAutoFit/>
+          </a:bodyPr>
+          <a:p>
+            <a:pPr marL="285750" indent="-285750" algn="l">
+              <a:buFont typeface="Arial"/>
+              <a:buChar char="•"/>
+              <a:defRPr/>
+            </a:pPr>
+            <a:r>
+              <a:rPr lang="ko-KR" altLang="en-US">
+                <a:solidFill>
+                  <a:srgbClr val="000000"/>
+                </a:solidFill>
+                <a:latin typeface="Calibri"/>
+                <a:ea typeface="맑은 고딕"/>
+              </a:rPr>
+              <a:t>기존의 </a:t>
+            </a:r>
+            <a:r>
+              <a:rPr lang="en-US" altLang="ko-KR">
+                <a:solidFill>
+                  <a:srgbClr val="000000"/>
+                </a:solidFill>
+                <a:latin typeface="맑은 고딕"/>
+                <a:ea typeface="맑은 고딕"/>
+              </a:rPr>
+              <a:t>CCTV</a:t>
+            </a:r>
+            <a:r>
+              <a:rPr lang="ko-KR" altLang="en-US">
+                <a:solidFill>
+                  <a:srgbClr val="000000"/>
+                </a:solidFill>
+                <a:latin typeface="Calibri"/>
+                <a:ea typeface="맑은 고딕"/>
+              </a:rPr>
+              <a:t>를 통한 불법투기 단속은 비효율적이고 인력낭비가 심했음</a:t>
+            </a:r>
+            <a:r>
+              <a:rPr lang="en-US" altLang="ko-KR">
+                <a:solidFill>
+                  <a:srgbClr val="000000"/>
+                </a:solidFill>
+                <a:latin typeface="맑은 고딕"/>
+                <a:ea typeface="맑은 고딕"/>
+              </a:rPr>
+              <a:t>.</a:t>
+            </a:r>
+            <a:endParaRPr lang="en-US" altLang="ko-KR">
+              <a:solidFill>
+                <a:srgbClr val="000000"/>
+              </a:solidFill>
+              <a:latin typeface="맑은 고딕"/>
+              <a:ea typeface="맑은 고딕"/>
+            </a:endParaRPr>
+          </a:p>
+          <a:p>
+            <a:pPr marL="285750" indent="-285750" algn="l">
+              <a:buFont typeface="Arial"/>
+              <a:buChar char="•"/>
+              <a:defRPr/>
+            </a:pPr>
+            <a:r>
+              <a:rPr lang="ko-KR" altLang="en-US">
+                <a:solidFill>
+                  <a:srgbClr val="000000"/>
+                </a:solidFill>
+                <a:latin typeface="Calibri"/>
+                <a:ea typeface="맑은 고딕"/>
+              </a:rPr>
+              <a:t>기존의 불법투기단속 시스템은 접근하기만 하면 경고음이 울려 소음이 심했음</a:t>
+            </a:r>
+            <a:endParaRPr lang="ko-KR" altLang="en-US">
+              <a:solidFill>
+                <a:srgbClr val="000000"/>
+              </a:solidFill>
+              <a:latin typeface="Calibri"/>
+              <a:ea typeface="맑은 고딕"/>
+            </a:endParaRPr>
+          </a:p>
+          <a:p>
+            <a:pPr marL="285750" indent="-285750" algn="l">
+              <a:buFont typeface="Arial"/>
+              <a:buChar char="•"/>
+              <a:defRPr/>
+            </a:pPr>
+            <a:endParaRPr lang="en-US" altLang="ko-KR">
+              <a:solidFill>
+                <a:srgbClr val="000000"/>
+              </a:solidFill>
+              <a:latin typeface="맑은 고딕"/>
+              <a:ea typeface="맑은 고딕"/>
+            </a:endParaRPr>
+          </a:p>
+          <a:p>
+            <a:pPr marL="285750" indent="-285750" algn="l">
+              <a:buFont typeface="Arial"/>
+              <a:buChar char="•"/>
+              <a:defRPr/>
+            </a:pPr>
+            <a:endParaRPr lang="en-US" altLang="ko-KR">
+              <a:solidFill>
+                <a:srgbClr val="000000"/>
+              </a:solidFill>
+              <a:latin typeface="맑은 고딕"/>
+              <a:ea typeface="맑은 고딕"/>
+            </a:endParaRPr>
+          </a:p>
+          <a:p>
+            <a:pPr marL="285750" indent="-285750" algn="l">
+              <a:buFont typeface="Arial"/>
+              <a:buChar char="•"/>
+              <a:defRPr/>
+            </a:pPr>
+            <a:endParaRPr lang="en-US" altLang="ko-KR">
+              <a:solidFill>
+                <a:srgbClr val="000000"/>
+              </a:solidFill>
+              <a:latin typeface="맑은 고딕"/>
+              <a:ea typeface="맑은 고딕"/>
+            </a:endParaRPr>
+          </a:p>
+          <a:p>
+            <a:pPr marL="285750" indent="-285750" algn="l">
+              <a:buFont typeface="Arial"/>
+              <a:buChar char="•"/>
+              <a:defRPr/>
+            </a:pPr>
+            <a:endParaRPr lang="en-US" altLang="ko-KR">
+              <a:solidFill>
+                <a:srgbClr val="000000"/>
+              </a:solidFill>
+              <a:latin typeface="맑은 고딕"/>
+              <a:ea typeface="맑은 고딕"/>
+            </a:endParaRPr>
+          </a:p>
+          <a:p>
+            <a:pPr marL="285750" indent="-285750" algn="l">
+              <a:buFont typeface="Arial"/>
+              <a:buChar char="•"/>
+              <a:defRPr/>
+            </a:pPr>
+            <a:endParaRPr lang="en-US" altLang="ko-KR">
+              <a:solidFill>
+                <a:srgbClr val="000000"/>
+              </a:solidFill>
+              <a:latin typeface="맑은 고딕"/>
+              <a:ea typeface="맑은 고딕"/>
+            </a:endParaRPr>
+          </a:p>
+          <a:p>
+            <a:pPr marL="285750" indent="-285750" algn="l">
+              <a:buFont typeface="Arial"/>
+              <a:buChar char="•"/>
+              <a:defRPr/>
+            </a:pPr>
+            <a:r>
+              <a:rPr lang="ko-KR" altLang="en-US">
+                <a:solidFill>
+                  <a:srgbClr val="000000"/>
+                </a:solidFill>
+                <a:latin typeface="Calibri"/>
+                <a:ea typeface="맑은 고딕"/>
+              </a:rPr>
+              <a:t>위와 같은 문제들은 이동식 불법 투기 단속 시스템으로 해결하고자 하였지만 설치비용대비 실제단속효과는 미미하다</a:t>
+            </a:r>
+            <a:r>
+              <a:rPr lang="en-US" altLang="ko-KR">
+                <a:solidFill>
+                  <a:srgbClr val="000000"/>
+                </a:solidFill>
+                <a:latin typeface="맑은 고딕"/>
+                <a:ea typeface="맑은 고딕"/>
+              </a:rPr>
+              <a:t>.</a:t>
+            </a:r>
+            <a:endParaRPr lang="en-US" altLang="ko-KR">
+              <a:solidFill>
+                <a:srgbClr val="000000"/>
+              </a:solidFill>
+              <a:latin typeface="맑은 고딕"/>
+              <a:ea typeface="맑은 고딕"/>
+            </a:endParaRPr>
+          </a:p>
+        </p:txBody>
+      </p:sp>
+      <p:sp>
+        <p:nvSpPr>
+          <p:cNvPr id="10" name="TextBox 2"/>
+          <p:cNvSpPr txBox="1"/>
+          <p:nvPr/>
+        </p:nvSpPr>
+        <p:spPr>
+          <a:xfrm>
+            <a:off x="622300" y="7485618"/>
+            <a:ext cx="6858000" cy="923330"/>
+          </a:xfrm>
+          <a:prstGeom prst="rect">
+            <a:avLst/>
+          </a:prstGeom>
+          <a:noFill/>
+        </p:spPr>
+        <p:txBody>
+          <a:bodyPr wrap="square">
+            <a:spAutoFit/>
+          </a:bodyPr>
+          <a:p>
+            <a:pPr marL="285750" indent="-285750">
+              <a:buFont typeface="Arial"/>
+              <a:buChar char="•"/>
+              <a:defRPr/>
+            </a:pPr>
+            <a:r>
+              <a:rPr lang="ko-KR" altLang="en-US">
+                <a:solidFill>
+                  <a:srgbClr val="000000"/>
+                </a:solidFill>
+                <a:latin typeface="Calibri"/>
+                <a:ea typeface="맑은 고딕"/>
+              </a:rPr>
+              <a:t>고정비</a:t>
+            </a:r>
+            <a:r>
+              <a:rPr lang="en-US" altLang="ko-KR">
+                <a:solidFill>
+                  <a:srgbClr val="000000"/>
+                </a:solidFill>
+                <a:latin typeface="맑은 고딕"/>
+                <a:ea typeface="맑은 고딕"/>
+              </a:rPr>
+              <a:t>: </a:t>
+            </a:r>
+            <a:r>
+              <a:rPr lang="ko-KR" altLang="en-US">
+                <a:solidFill>
+                  <a:srgbClr val="000000"/>
+                </a:solidFill>
+                <a:latin typeface="Calibri"/>
+                <a:ea typeface="맑은 고딕"/>
+              </a:rPr>
+              <a:t>임대료</a:t>
+            </a:r>
+            <a:r>
+              <a:rPr lang="en-US" altLang="ko-KR">
+                <a:solidFill>
+                  <a:srgbClr val="000000"/>
+                </a:solidFill>
+                <a:latin typeface="맑은 고딕"/>
+                <a:ea typeface="맑은 고딕"/>
+              </a:rPr>
+              <a:t>, </a:t>
+            </a:r>
+            <a:r>
+              <a:rPr lang="ko-KR" altLang="en-US">
+                <a:solidFill>
+                  <a:srgbClr val="000000"/>
+                </a:solidFill>
+                <a:latin typeface="Calibri"/>
+                <a:ea typeface="맑은 고딕"/>
+              </a:rPr>
+              <a:t>직원 인건비</a:t>
+            </a:r>
+            <a:r>
+              <a:rPr lang="en-US" altLang="ko-KR">
+                <a:solidFill>
+                  <a:srgbClr val="000000"/>
+                </a:solidFill>
+                <a:latin typeface="맑은 고딕"/>
+                <a:ea typeface="맑은 고딕"/>
+              </a:rPr>
+              <a:t>, </a:t>
+            </a:r>
+            <a:r>
+              <a:rPr lang="ko-KR" altLang="en-US">
+                <a:solidFill>
+                  <a:srgbClr val="000000"/>
+                </a:solidFill>
+                <a:latin typeface="Calibri"/>
+                <a:ea typeface="맑은 고딕"/>
+              </a:rPr>
+              <a:t>서버유지비</a:t>
+            </a:r>
+            <a:r>
+              <a:rPr lang="en-US" altLang="ko-KR">
+                <a:solidFill>
+                  <a:srgbClr val="000000"/>
+                </a:solidFill>
+                <a:latin typeface="맑은 고딕"/>
+                <a:ea typeface="맑은 고딕"/>
+              </a:rPr>
+              <a:t>, </a:t>
+            </a:r>
+            <a:r>
+              <a:rPr lang="ko-KR" altLang="en-US">
+                <a:solidFill>
+                  <a:srgbClr val="000000"/>
+                </a:solidFill>
+                <a:latin typeface="Calibri"/>
+                <a:ea typeface="맑은 고딕"/>
+              </a:rPr>
+              <a:t>보험료</a:t>
+            </a:r>
+            <a:r>
+              <a:rPr lang="en-US" altLang="ko-KR">
+                <a:solidFill>
+                  <a:srgbClr val="000000"/>
+                </a:solidFill>
+                <a:latin typeface="맑은 고딕"/>
+                <a:ea typeface="맑은 고딕"/>
+              </a:rPr>
+              <a:t>, </a:t>
+            </a:r>
+            <a:r>
+              <a:rPr lang="ko-KR" altLang="en-US">
+                <a:solidFill>
+                  <a:srgbClr val="000000"/>
+                </a:solidFill>
+                <a:latin typeface="Calibri"/>
+                <a:ea typeface="맑은 고딕"/>
+              </a:rPr>
+              <a:t>통신비</a:t>
+            </a:r>
+            <a:r>
+              <a:rPr lang="en-US" altLang="ko-KR">
+                <a:solidFill>
+                  <a:srgbClr val="000000"/>
+                </a:solidFill>
+                <a:latin typeface="맑은 고딕"/>
+                <a:ea typeface="맑은 고딕"/>
+              </a:rPr>
+              <a:t>, </a:t>
+            </a:r>
+            <a:r>
+              <a:rPr lang="ko-KR" altLang="en-US">
+                <a:solidFill>
+                  <a:srgbClr val="000000"/>
+                </a:solidFill>
+                <a:latin typeface="Calibri"/>
+                <a:ea typeface="맑은 고딕"/>
+              </a:rPr>
+              <a:t>수도료</a:t>
+            </a:r>
+            <a:r>
+              <a:rPr lang="en-US" altLang="ko-KR">
+                <a:solidFill>
+                  <a:srgbClr val="000000"/>
+                </a:solidFill>
+                <a:latin typeface="맑은 고딕"/>
+                <a:ea typeface="맑은 고딕"/>
+              </a:rPr>
+              <a:t>, </a:t>
+            </a:r>
+            <a:r>
+              <a:rPr lang="ko-KR" altLang="en-US">
+                <a:solidFill>
+                  <a:srgbClr val="000000"/>
+                </a:solidFill>
+                <a:latin typeface="Calibri"/>
+                <a:ea typeface="맑은 고딕"/>
+              </a:rPr>
+              <a:t>전기료 등</a:t>
+            </a:r>
+            <a:endParaRPr lang="ko-KR" altLang="en-US">
+              <a:solidFill>
+                <a:srgbClr val="000000"/>
+              </a:solidFill>
+              <a:latin typeface="Calibri"/>
+              <a:ea typeface="맑은 고딕"/>
+            </a:endParaRPr>
+          </a:p>
+          <a:p>
+            <a:pPr marL="285750" indent="-285750">
+              <a:buFont typeface="Arial"/>
+              <a:buChar char="•"/>
+              <a:defRPr/>
+            </a:pPr>
+            <a:r>
+              <a:rPr lang="ko-KR" altLang="en-US">
+                <a:solidFill>
+                  <a:srgbClr val="000000"/>
+                </a:solidFill>
+                <a:latin typeface="Calibri"/>
+                <a:ea typeface="맑은 고딕"/>
+              </a:rPr>
+              <a:t>변동비</a:t>
+            </a:r>
+            <a:r>
+              <a:rPr lang="en-US" altLang="ko-KR">
+                <a:solidFill>
+                  <a:srgbClr val="000000"/>
+                </a:solidFill>
+                <a:latin typeface="맑은 고딕"/>
+                <a:ea typeface="맑은 고딕"/>
+              </a:rPr>
+              <a:t>: </a:t>
+            </a:r>
+            <a:r>
+              <a:rPr lang="ko-KR" altLang="en-US">
+                <a:solidFill>
+                  <a:srgbClr val="000000"/>
+                </a:solidFill>
+                <a:latin typeface="Calibri"/>
+                <a:ea typeface="맑은 고딕"/>
+              </a:rPr>
+              <a:t>기기재료비</a:t>
+            </a:r>
+            <a:r>
+              <a:rPr lang="en-US" altLang="ko-KR">
+                <a:solidFill>
+                  <a:srgbClr val="000000"/>
+                </a:solidFill>
+                <a:latin typeface="맑은 고딕"/>
+                <a:ea typeface="맑은 고딕"/>
+              </a:rPr>
+              <a:t>, </a:t>
+            </a:r>
+            <a:r>
+              <a:rPr lang="ko-KR" altLang="en-US">
+                <a:solidFill>
+                  <a:srgbClr val="000000"/>
+                </a:solidFill>
+                <a:latin typeface="Calibri"/>
+                <a:ea typeface="맑은 고딕"/>
+              </a:rPr>
+              <a:t>포장 및 운반비</a:t>
+            </a:r>
+            <a:r>
+              <a:rPr lang="en-US" altLang="ko-KR">
+                <a:solidFill>
+                  <a:srgbClr val="000000"/>
+                </a:solidFill>
+                <a:latin typeface="맑은 고딕"/>
+                <a:ea typeface="맑은 고딕"/>
+              </a:rPr>
+              <a:t>, </a:t>
+            </a:r>
+            <a:r>
+              <a:rPr lang="ko-KR" altLang="en-US">
+                <a:solidFill>
+                  <a:srgbClr val="000000"/>
+                </a:solidFill>
+                <a:latin typeface="Calibri"/>
+                <a:ea typeface="맑은 고딕"/>
+              </a:rPr>
+              <a:t>광고비</a:t>
+            </a:r>
+            <a:r>
+              <a:rPr lang="en-US" altLang="ko-KR">
+                <a:solidFill>
+                  <a:srgbClr val="000000"/>
+                </a:solidFill>
+                <a:latin typeface="맑은 고딕"/>
+                <a:ea typeface="맑은 고딕"/>
+              </a:rPr>
+              <a:t>, </a:t>
+            </a:r>
+            <a:r>
+              <a:rPr lang="ko-KR" altLang="en-US">
+                <a:solidFill>
+                  <a:srgbClr val="000000"/>
+                </a:solidFill>
+                <a:latin typeface="Calibri"/>
+                <a:ea typeface="맑은 고딕"/>
+              </a:rPr>
+              <a:t>보관료 등</a:t>
+            </a:r>
+            <a:endParaRPr lang="ko-KR" altLang="en-US">
+              <a:solidFill>
+                <a:srgbClr val="000000"/>
+              </a:solidFill>
+              <a:latin typeface="Calibri"/>
+              <a:ea typeface="맑은 고딕"/>
+            </a:endParaRPr>
+          </a:p>
+        </p:txBody>
+      </p:sp>
+      <p:sp>
+        <p:nvSpPr>
+          <p:cNvPr id="11" name="TextBox 3"/>
+          <p:cNvSpPr txBox="1"/>
+          <p:nvPr/>
+        </p:nvSpPr>
+        <p:spPr>
+          <a:xfrm>
+            <a:off x="7480300" y="7485618"/>
+            <a:ext cx="6858000" cy="369332"/>
+          </a:xfrm>
+          <a:prstGeom prst="rect">
+            <a:avLst/>
+          </a:prstGeom>
+          <a:noFill/>
+        </p:spPr>
+        <p:txBody>
+          <a:bodyPr wrap="square">
+            <a:spAutoFit/>
+          </a:bodyPr>
+          <a:p>
+            <a:pPr marL="285750" indent="-285750">
+              <a:buFont typeface="Arial"/>
+              <a:buChar char="•"/>
+              <a:defRPr/>
+            </a:pPr>
+            <a:r>
+              <a:rPr lang="ko-KR" altLang="en-US">
+                <a:solidFill>
+                  <a:srgbClr val="000000"/>
+                </a:solidFill>
+                <a:latin typeface="Calibri"/>
+                <a:ea typeface="맑은 고딕"/>
+              </a:rPr>
+              <a:t>자동 단속 시스템 기기 판매</a:t>
+            </a:r>
+            <a:endParaRPr lang="en-US" altLang="ko-KR">
+              <a:solidFill>
+                <a:srgbClr val="000000"/>
+              </a:solidFill>
+              <a:latin typeface="맑은 고딕"/>
+              <a:ea typeface="맑은 고딕"/>
+            </a:endParaRPr>
+          </a:p>
+        </p:txBody>
+      </p:sp>
+      <p:sp>
+        <p:nvSpPr>
+          <p:cNvPr id="12" name="TextBox 4"/>
+          <p:cNvSpPr txBox="1"/>
+          <p:nvPr/>
+        </p:nvSpPr>
+        <p:spPr>
+          <a:xfrm>
+            <a:off x="3289300" y="1715016"/>
+            <a:ext cx="2667000" cy="2308324"/>
+          </a:xfrm>
+          <a:prstGeom prst="rect">
+            <a:avLst/>
+          </a:prstGeom>
+          <a:noFill/>
+        </p:spPr>
+        <p:txBody>
+          <a:bodyPr wrap="square">
+            <a:spAutoFit/>
+          </a:bodyPr>
+          <a:p>
+            <a:pPr marL="285750" indent="-285750">
+              <a:buFont typeface="Arial"/>
+              <a:buChar char="•"/>
+              <a:defRPr/>
+            </a:pPr>
+            <a:r>
+              <a:rPr lang="ko-KR" altLang="en-US">
+                <a:solidFill>
+                  <a:srgbClr val="000000"/>
+                </a:solidFill>
+                <a:latin typeface="Calibri"/>
+                <a:ea typeface="맑은 고딕"/>
+              </a:rPr>
+              <a:t>자동 단속 시스템으로 쓰레기 버리는 모션을 감지하여 단속</a:t>
+            </a:r>
+            <a:endParaRPr lang="ko-KR" altLang="en-US">
+              <a:solidFill>
+                <a:srgbClr val="000000"/>
+              </a:solidFill>
+              <a:latin typeface="Calibri"/>
+              <a:ea typeface="맑은 고딕"/>
+            </a:endParaRPr>
+          </a:p>
+          <a:p>
+            <a:pPr marL="285750" indent="-285750">
+              <a:buFont typeface="Arial"/>
+              <a:buChar char="•"/>
+              <a:defRPr/>
+            </a:pPr>
+            <a:r>
+              <a:rPr lang="ko-KR" altLang="en-US">
+                <a:solidFill>
+                  <a:srgbClr val="000000"/>
+                </a:solidFill>
+                <a:latin typeface="Calibri"/>
+                <a:ea typeface="맑은 고딕"/>
+              </a:rPr>
+              <a:t>주요 단속 시간대</a:t>
+            </a:r>
+            <a:r>
+              <a:rPr lang="en-US" altLang="ko-KR">
+                <a:solidFill>
+                  <a:srgbClr val="000000"/>
+                </a:solidFill>
+                <a:latin typeface="맑은 고딕"/>
+                <a:ea typeface="맑은 고딕"/>
+              </a:rPr>
+              <a:t>, </a:t>
+            </a:r>
+            <a:r>
+              <a:rPr lang="ko-KR" altLang="en-US">
+                <a:solidFill>
+                  <a:srgbClr val="000000"/>
+                </a:solidFill>
+                <a:latin typeface="Calibri"/>
+                <a:ea typeface="맑은 고딕"/>
+              </a:rPr>
+              <a:t>장소 추천 기능</a:t>
+            </a:r>
+            <a:endParaRPr lang="ko-KR" altLang="en-US">
+              <a:solidFill>
+                <a:srgbClr val="000000"/>
+              </a:solidFill>
+              <a:latin typeface="Calibri"/>
+              <a:ea typeface="맑은 고딕"/>
+            </a:endParaRPr>
+          </a:p>
+          <a:p>
+            <a:pPr marL="285750" indent="-285750">
+              <a:buFont typeface="Arial"/>
+              <a:buChar char="•"/>
+              <a:defRPr/>
+            </a:pPr>
+            <a:r>
+              <a:rPr lang="ko-KR" altLang="en-US">
+                <a:solidFill>
+                  <a:srgbClr val="000000"/>
+                </a:solidFill>
+                <a:latin typeface="Calibri"/>
+                <a:ea typeface="맑은 고딕"/>
+              </a:rPr>
+              <a:t>단속 후 정보를 </a:t>
+            </a:r>
+            <a:r>
+              <a:rPr lang="en-US" altLang="ko-KR">
+                <a:solidFill>
+                  <a:srgbClr val="000000"/>
+                </a:solidFill>
+                <a:latin typeface="맑은 고딕"/>
+                <a:ea typeface="맑은 고딕"/>
+              </a:rPr>
+              <a:t>DB</a:t>
+            </a:r>
+            <a:r>
+              <a:rPr lang="ko-KR" altLang="en-US">
+                <a:solidFill>
+                  <a:srgbClr val="000000"/>
+                </a:solidFill>
+                <a:latin typeface="Calibri"/>
+                <a:ea typeface="맑은 고딕"/>
+              </a:rPr>
+              <a:t>에 저장</a:t>
+            </a:r>
+            <a:endParaRPr lang="ko-KR" altLang="en-US">
+              <a:solidFill>
+                <a:srgbClr val="000000"/>
+              </a:solidFill>
+              <a:latin typeface="Calibri"/>
+              <a:ea typeface="맑은 고딕"/>
+            </a:endParaRPr>
+          </a:p>
+        </p:txBody>
+      </p:sp>
+      <p:sp>
+        <p:nvSpPr>
+          <p:cNvPr id="13" name="TextBox 5"/>
+          <p:cNvSpPr txBox="1"/>
+          <p:nvPr/>
+        </p:nvSpPr>
+        <p:spPr>
+          <a:xfrm>
+            <a:off x="3289300" y="4624903"/>
+            <a:ext cx="2667000" cy="2339102"/>
+          </a:xfrm>
+          <a:prstGeom prst="rect">
+            <a:avLst/>
+          </a:prstGeom>
+          <a:noFill/>
+        </p:spPr>
+        <p:txBody>
+          <a:bodyPr wrap="square">
+            <a:spAutoFit/>
+          </a:bodyPr>
+          <a:p>
+            <a:pPr marL="285750" indent="-285750">
+              <a:buFont typeface="Arial"/>
+              <a:buChar char="•"/>
+              <a:defRPr/>
+            </a:pPr>
+            <a:r>
+              <a:rPr lang="ko-KR" altLang="en-US" sz="1600">
+                <a:solidFill>
+                  <a:srgbClr val="000000"/>
+                </a:solidFill>
+                <a:latin typeface="Calibri"/>
+                <a:ea typeface="맑은 고딕"/>
+              </a:rPr>
+              <a:t>자동 단속 시스템 기기의 실제 판매량</a:t>
+            </a:r>
+            <a:endParaRPr lang="ko-KR" altLang="en-US" sz="1600">
+              <a:solidFill>
+                <a:srgbClr val="000000"/>
+              </a:solidFill>
+              <a:latin typeface="Calibri"/>
+              <a:ea typeface="맑은 고딕"/>
+            </a:endParaRPr>
+          </a:p>
+          <a:p>
+            <a:pPr marL="285750" indent="-285750">
+              <a:buFont typeface="Arial"/>
+              <a:buChar char="•"/>
+              <a:defRPr/>
+            </a:pPr>
+            <a:r>
+              <a:rPr lang="ko-KR" altLang="en-US" sz="1600">
+                <a:solidFill>
+                  <a:srgbClr val="000000"/>
+                </a:solidFill>
+                <a:latin typeface="Calibri"/>
+                <a:ea typeface="맑은 고딕"/>
+              </a:rPr>
+              <a:t>클라이언트 프로그램 다운로드 수</a:t>
+            </a:r>
+            <a:endParaRPr lang="ko-KR" altLang="en-US" sz="1600">
+              <a:solidFill>
+                <a:srgbClr val="000000"/>
+              </a:solidFill>
+              <a:latin typeface="Calibri"/>
+              <a:ea typeface="맑은 고딕"/>
+            </a:endParaRPr>
+          </a:p>
+          <a:p>
+            <a:pPr lvl="0">
+              <a:defRPr/>
+            </a:pPr>
+            <a:r>
+              <a:rPr lang="ko-KR" altLang="en-US">
+                <a:solidFill>
+                  <a:srgbClr val="000000"/>
+                </a:solidFill>
+                <a:latin typeface="Calibri"/>
+                <a:ea typeface="맑은 고딕"/>
+              </a:rPr>
+              <a:t>개발목표</a:t>
+            </a:r>
+            <a:endParaRPr lang="ko-KR" altLang="en-US">
+              <a:solidFill>
+                <a:srgbClr val="000000"/>
+              </a:solidFill>
+              <a:latin typeface="Calibri"/>
+              <a:ea typeface="맑은 고딕"/>
+            </a:endParaRPr>
+          </a:p>
+          <a:p>
+            <a:pPr marL="285750" indent="-285750">
+              <a:buFont typeface="Arial"/>
+              <a:buChar char="•"/>
+              <a:defRPr/>
+            </a:pPr>
+            <a:r>
+              <a:rPr lang="ko-KR" altLang="en-US" sz="1600">
+                <a:solidFill>
+                  <a:srgbClr val="000000"/>
+                </a:solidFill>
+                <a:latin typeface="Calibri"/>
+                <a:ea typeface="맑은 고딕"/>
+              </a:rPr>
+              <a:t>카메라를 통한 </a:t>
+            </a:r>
+            <a:r>
+              <a:rPr lang="en-US" altLang="ko-KR" sz="1600">
+                <a:solidFill>
+                  <a:srgbClr val="000000"/>
+                </a:solidFill>
+                <a:latin typeface="맑은 고딕"/>
+                <a:ea typeface="맑은 고딕"/>
+              </a:rPr>
+              <a:t>‘</a:t>
+            </a:r>
+            <a:r>
+              <a:rPr lang="ko-KR" altLang="en-US" sz="1600">
+                <a:solidFill>
+                  <a:srgbClr val="000000"/>
+                </a:solidFill>
+                <a:latin typeface="Calibri"/>
+                <a:ea typeface="맑은 고딕"/>
+              </a:rPr>
+              <a:t>쓰레기 불법 투기행위</a:t>
+            </a:r>
+            <a:r>
+              <a:rPr lang="en-US" altLang="ko-KR" sz="1600">
+                <a:solidFill>
+                  <a:srgbClr val="000000"/>
+                </a:solidFill>
+                <a:latin typeface="맑은 고딕"/>
+                <a:ea typeface="맑은 고딕"/>
+              </a:rPr>
+              <a:t>’ </a:t>
+            </a:r>
+            <a:r>
+              <a:rPr lang="ko-KR" altLang="en-US" sz="1600">
+                <a:solidFill>
+                  <a:srgbClr val="000000"/>
+                </a:solidFill>
+                <a:latin typeface="Calibri"/>
+                <a:ea typeface="맑은 고딕"/>
+              </a:rPr>
+              <a:t>감지 및 경고</a:t>
+            </a:r>
+            <a:endParaRPr lang="ko-KR" altLang="en-US" sz="1600">
+              <a:solidFill>
+                <a:srgbClr val="000000"/>
+              </a:solidFill>
+              <a:latin typeface="Calibri"/>
+              <a:ea typeface="맑은 고딕"/>
+            </a:endParaRPr>
+          </a:p>
+          <a:p>
+            <a:pPr marL="285750" indent="-285750">
+              <a:buFont typeface="Arial"/>
+              <a:buChar char="•"/>
+              <a:defRPr/>
+            </a:pPr>
+            <a:endParaRPr lang="ko-KR" altLang="en-US" sz="1600">
+              <a:solidFill>
+                <a:srgbClr val="000000"/>
+              </a:solidFill>
+              <a:latin typeface="Calibri"/>
+              <a:ea typeface="맑은 고딕"/>
+            </a:endParaRPr>
+          </a:p>
+        </p:txBody>
+      </p:sp>
+      <p:sp>
+        <p:nvSpPr>
+          <p:cNvPr id="14" name="TextBox 7"/>
+          <p:cNvSpPr txBox="1"/>
+          <p:nvPr/>
+        </p:nvSpPr>
+        <p:spPr>
+          <a:xfrm>
+            <a:off x="5956300" y="1867932"/>
+            <a:ext cx="3048000" cy="4801314"/>
+          </a:xfrm>
+          <a:prstGeom prst="rect">
+            <a:avLst/>
+          </a:prstGeom>
+          <a:noFill/>
+        </p:spPr>
+        <p:txBody>
+          <a:bodyPr wrap="square">
+            <a:spAutoFit/>
+          </a:bodyPr>
+          <a:p>
+            <a:pPr marL="285750" indent="-285750">
+              <a:buFont typeface="Arial"/>
+              <a:buChar char="•"/>
+              <a:defRPr/>
+            </a:pPr>
+            <a:r>
+              <a:rPr lang="ko-KR" altLang="en-US">
+                <a:solidFill>
+                  <a:srgbClr val="000000"/>
+                </a:solidFill>
+                <a:latin typeface="Calibri"/>
+                <a:ea typeface="맑은 고딕"/>
+              </a:rPr>
+              <a:t>자동 단속 시스템을 통한 불법 투기 단속 횟수 증가</a:t>
+            </a:r>
+            <a:endParaRPr lang="ko-KR" altLang="en-US">
+              <a:solidFill>
+                <a:srgbClr val="000000"/>
+              </a:solidFill>
+              <a:latin typeface="Calibri"/>
+              <a:ea typeface="맑은 고딕"/>
+            </a:endParaRPr>
+          </a:p>
+          <a:p>
+            <a:pPr marL="285750" indent="-285750">
+              <a:buFont typeface="Arial"/>
+              <a:buChar char="•"/>
+              <a:defRPr/>
+            </a:pPr>
+            <a:r>
+              <a:rPr lang="ko-KR" altLang="en-US">
+                <a:solidFill>
+                  <a:srgbClr val="000000"/>
+                </a:solidFill>
+                <a:latin typeface="Calibri"/>
+                <a:ea typeface="맑은 고딕"/>
+              </a:rPr>
+              <a:t>단속 후 단속 정보 기록으로 후의 과태료 부과 할 때</a:t>
+            </a:r>
+            <a:r>
+              <a:rPr lang="en-US" altLang="ko-KR">
+                <a:solidFill>
+                  <a:srgbClr val="000000"/>
+                </a:solidFill>
+                <a:latin typeface="맑은 고딕"/>
+                <a:ea typeface="맑은 고딕"/>
+              </a:rPr>
+              <a:t>, </a:t>
+            </a:r>
+            <a:r>
+              <a:rPr lang="ko-KR" altLang="en-US">
+                <a:solidFill>
+                  <a:srgbClr val="000000"/>
+                </a:solidFill>
+                <a:latin typeface="Calibri"/>
+                <a:ea typeface="맑은 고딕"/>
+              </a:rPr>
+              <a:t>편리성 증가</a:t>
+            </a:r>
+            <a:endParaRPr lang="ko-KR" altLang="en-US">
+              <a:solidFill>
+                <a:srgbClr val="000000"/>
+              </a:solidFill>
+              <a:latin typeface="Calibri"/>
+              <a:ea typeface="맑은 고딕"/>
+            </a:endParaRPr>
+          </a:p>
+          <a:p>
+            <a:pPr marL="285750" indent="-285750">
+              <a:buFont typeface="Arial"/>
+              <a:buChar char="•"/>
+              <a:defRPr/>
+            </a:pPr>
+            <a:r>
+              <a:rPr lang="ko-KR" altLang="en-US">
+                <a:solidFill>
+                  <a:srgbClr val="000000"/>
+                </a:solidFill>
+                <a:latin typeface="Calibri"/>
+                <a:ea typeface="맑은 고딕"/>
+              </a:rPr>
+              <a:t>주요 단속 지역</a:t>
+            </a:r>
+            <a:r>
+              <a:rPr lang="en-US" altLang="ko-KR">
+                <a:solidFill>
+                  <a:srgbClr val="000000"/>
+                </a:solidFill>
+                <a:latin typeface="맑은 고딕"/>
+                <a:ea typeface="맑은 고딕"/>
+              </a:rPr>
+              <a:t>, </a:t>
+            </a:r>
+            <a:r>
+              <a:rPr lang="ko-KR" altLang="en-US">
+                <a:solidFill>
+                  <a:srgbClr val="000000"/>
+                </a:solidFill>
+                <a:latin typeface="Calibri"/>
+                <a:ea typeface="맑은 고딕"/>
+              </a:rPr>
+              <a:t>시간대 추천을 통한인력을 효율적으로 활용</a:t>
+            </a:r>
+            <a:r>
+              <a:rPr lang="en-US" altLang="ko-KR">
+                <a:solidFill>
+                  <a:srgbClr val="000000"/>
+                </a:solidFill>
+                <a:latin typeface="맑은 고딕"/>
+                <a:ea typeface="맑은 고딕"/>
+              </a:rPr>
+              <a:t>, </a:t>
+            </a:r>
+            <a:r>
+              <a:rPr lang="ko-KR" altLang="en-US">
+                <a:solidFill>
+                  <a:srgbClr val="000000"/>
+                </a:solidFill>
+                <a:latin typeface="Calibri"/>
+                <a:ea typeface="맑은 고딕"/>
+              </a:rPr>
+              <a:t>배치</a:t>
+            </a:r>
+            <a:endParaRPr lang="ko-KR" altLang="en-US">
+              <a:solidFill>
+                <a:srgbClr val="000000"/>
+              </a:solidFill>
+              <a:latin typeface="Calibri"/>
+              <a:ea typeface="맑은 고딕"/>
+            </a:endParaRPr>
+          </a:p>
+          <a:p>
+            <a:pPr marL="285750" indent="-285750">
+              <a:buFont typeface="Arial"/>
+              <a:buChar char="•"/>
+              <a:defRPr/>
+            </a:pPr>
+            <a:endParaRPr lang="en-US" altLang="ko-KR">
+              <a:solidFill>
+                <a:srgbClr val="000000"/>
+              </a:solidFill>
+              <a:latin typeface="맑은 고딕"/>
+              <a:ea typeface="맑은 고딕"/>
+            </a:endParaRPr>
+          </a:p>
+          <a:p>
+            <a:pPr marL="285750" indent="-285750">
+              <a:buFont typeface="Arial"/>
+              <a:buChar char="•"/>
+              <a:defRPr/>
+            </a:pPr>
+            <a:endParaRPr lang="en-US" altLang="ko-KR">
+              <a:solidFill>
+                <a:srgbClr val="000000"/>
+              </a:solidFill>
+              <a:latin typeface="맑은 고딕"/>
+              <a:ea typeface="맑은 고딕"/>
+            </a:endParaRPr>
+          </a:p>
+          <a:p>
+            <a:pPr marL="285750" indent="-285750">
+              <a:buFont typeface="Arial"/>
+              <a:buChar char="•"/>
+              <a:defRPr/>
+            </a:pPr>
+            <a:endParaRPr lang="en-US" altLang="ko-KR">
+              <a:solidFill>
+                <a:srgbClr val="000000"/>
+              </a:solidFill>
+              <a:latin typeface="맑은 고딕"/>
+              <a:ea typeface="맑은 고딕"/>
+            </a:endParaRPr>
+          </a:p>
+          <a:p>
+            <a:pPr marL="285750" indent="-285750">
+              <a:buFont typeface="Arial"/>
+              <a:buChar char="•"/>
+              <a:defRPr/>
+            </a:pPr>
+            <a:r>
+              <a:rPr lang="ko-KR" altLang="en-US">
+                <a:solidFill>
+                  <a:srgbClr val="000000"/>
+                </a:solidFill>
+                <a:latin typeface="Calibri"/>
+                <a:ea typeface="맑은 고딕"/>
+              </a:rPr>
+              <a:t>카메라를 통한 쓰레기 불법 투기 행위 탐지 및 경고</a:t>
+            </a:r>
+            <a:endParaRPr lang="ko-KR" altLang="en-US">
+              <a:solidFill>
+                <a:srgbClr val="000000"/>
+              </a:solidFill>
+              <a:latin typeface="Calibri"/>
+              <a:ea typeface="맑은 고딕"/>
+            </a:endParaRPr>
+          </a:p>
+          <a:p>
+            <a:pPr marL="285750" indent="-285750">
+              <a:buFont typeface="Arial"/>
+              <a:buChar char="•"/>
+              <a:defRPr/>
+            </a:pPr>
+            <a:r>
+              <a:rPr lang="ko-KR" altLang="en-US">
+                <a:solidFill>
+                  <a:srgbClr val="000000"/>
+                </a:solidFill>
+                <a:latin typeface="Calibri"/>
+                <a:ea typeface="맑은 고딕"/>
+              </a:rPr>
+              <a:t>불법 투기 기록 저장 및 열람 시스템</a:t>
+            </a:r>
+            <a:endParaRPr lang="en-US" altLang="ko-KR">
+              <a:solidFill>
+                <a:srgbClr val="000000"/>
+              </a:solidFill>
+              <a:latin typeface="맑은 고딕"/>
+              <a:ea typeface="맑은 고딕"/>
+            </a:endParaRPr>
+          </a:p>
+        </p:txBody>
+      </p:sp>
+      <p:sp>
+        <p:nvSpPr>
+          <p:cNvPr id="15" name="TextBox 8"/>
+          <p:cNvSpPr txBox="1"/>
+          <p:nvPr/>
+        </p:nvSpPr>
+        <p:spPr>
+          <a:xfrm>
+            <a:off x="9010649" y="1672630"/>
+            <a:ext cx="2660651" cy="2031325"/>
+          </a:xfrm>
+          <a:prstGeom prst="rect">
+            <a:avLst/>
+          </a:prstGeom>
+          <a:noFill/>
+        </p:spPr>
+        <p:txBody>
+          <a:bodyPr wrap="square">
+            <a:spAutoFit/>
+          </a:bodyPr>
+          <a:p>
+            <a:pPr marL="285750" indent="-285750">
+              <a:buFont typeface="Arial"/>
+              <a:buChar char="•"/>
+              <a:defRPr/>
+            </a:pPr>
+            <a:r>
+              <a:rPr lang="ko-KR" altLang="en-US">
+                <a:solidFill>
+                  <a:srgbClr val="000000"/>
+                </a:solidFill>
+                <a:latin typeface="Calibri"/>
+                <a:ea typeface="맑은 고딕"/>
+              </a:rPr>
+              <a:t>자동 단속 시스템과 연동이 되는 기록 시스템</a:t>
+            </a:r>
+            <a:endParaRPr lang="ko-KR" altLang="en-US">
+              <a:solidFill>
+                <a:srgbClr val="000000"/>
+              </a:solidFill>
+              <a:latin typeface="Calibri"/>
+              <a:ea typeface="맑은 고딕"/>
+            </a:endParaRPr>
+          </a:p>
+          <a:p>
+            <a:pPr marL="285750" indent="-285750">
+              <a:buFont typeface="Arial"/>
+              <a:buChar char="•"/>
+              <a:defRPr/>
+            </a:pPr>
+            <a:r>
+              <a:rPr lang="ko-KR" altLang="en-US">
+                <a:solidFill>
+                  <a:srgbClr val="000000"/>
+                </a:solidFill>
+                <a:latin typeface="Calibri"/>
+                <a:ea typeface="맑은 고딕"/>
+              </a:rPr>
+              <a:t>쓰레기 불법 투기 탐지를 통하나 기존과는 차별화되는 시스템</a:t>
+            </a:r>
+            <a:endParaRPr lang="ko-KR" altLang="en-US">
+              <a:solidFill>
+                <a:srgbClr val="000000"/>
+              </a:solidFill>
+              <a:latin typeface="Calibri"/>
+              <a:ea typeface="맑은 고딕"/>
+            </a:endParaRPr>
+          </a:p>
+        </p:txBody>
+      </p:sp>
+      <p:sp>
+        <p:nvSpPr>
+          <p:cNvPr id="16" name="TextBox 9"/>
+          <p:cNvSpPr txBox="1"/>
+          <p:nvPr/>
+        </p:nvSpPr>
+        <p:spPr>
+          <a:xfrm>
+            <a:off x="9004300" y="4685149"/>
+            <a:ext cx="2660651" cy="2031325"/>
+          </a:xfrm>
+          <a:prstGeom prst="rect">
+            <a:avLst/>
+          </a:prstGeom>
+          <a:noFill/>
+        </p:spPr>
+        <p:txBody>
+          <a:bodyPr wrap="square">
+            <a:spAutoFit/>
+          </a:bodyPr>
+          <a:p>
+            <a:pPr marL="285750" indent="-285750">
+              <a:buFont typeface="Arial"/>
+              <a:buChar char="•"/>
+              <a:defRPr/>
+            </a:pPr>
+            <a:r>
+              <a:rPr lang="ko-KR" altLang="en-US">
+                <a:solidFill>
+                  <a:srgbClr val="000000"/>
+                </a:solidFill>
+                <a:latin typeface="Calibri"/>
+                <a:ea typeface="맑은 고딕"/>
+              </a:rPr>
+              <a:t>실제 제품 적용한 모습을 통한 간접적인 광고</a:t>
+            </a:r>
+            <a:endParaRPr lang="ko-KR" altLang="en-US">
+              <a:solidFill>
+                <a:srgbClr val="000000"/>
+              </a:solidFill>
+              <a:latin typeface="Calibri"/>
+              <a:ea typeface="맑은 고딕"/>
+            </a:endParaRPr>
+          </a:p>
+          <a:p>
+            <a:pPr marL="285750" indent="-285750">
+              <a:buFont typeface="Arial"/>
+              <a:buChar char="•"/>
+              <a:defRPr/>
+            </a:pPr>
+            <a:r>
+              <a:rPr lang="en-US" altLang="ko-KR">
+                <a:solidFill>
+                  <a:srgbClr val="000000"/>
+                </a:solidFill>
+                <a:latin typeface="맑은 고딕"/>
+                <a:ea typeface="맑은 고딕"/>
+              </a:rPr>
+              <a:t>TV </a:t>
+            </a:r>
+            <a:r>
+              <a:rPr lang="ko-KR" altLang="en-US">
+                <a:solidFill>
+                  <a:srgbClr val="000000"/>
+                </a:solidFill>
+                <a:latin typeface="Calibri"/>
+                <a:ea typeface="맑은 고딕"/>
+              </a:rPr>
+              <a:t>또는 지하철</a:t>
+            </a:r>
+            <a:r>
+              <a:rPr lang="en-US" altLang="ko-KR">
+                <a:solidFill>
+                  <a:srgbClr val="000000"/>
+                </a:solidFill>
+                <a:latin typeface="맑은 고딕"/>
+                <a:ea typeface="맑은 고딕"/>
+              </a:rPr>
+              <a:t>, </a:t>
+            </a:r>
+            <a:r>
+              <a:rPr lang="ko-KR" altLang="en-US">
+                <a:solidFill>
+                  <a:srgbClr val="000000"/>
+                </a:solidFill>
+                <a:latin typeface="Calibri"/>
+                <a:ea typeface="맑은 고딕"/>
+              </a:rPr>
+              <a:t>버스 광고</a:t>
+            </a:r>
+            <a:endParaRPr lang="ko-KR" altLang="en-US">
+              <a:solidFill>
+                <a:srgbClr val="000000"/>
+              </a:solidFill>
+              <a:latin typeface="Calibri"/>
+              <a:ea typeface="맑은 고딕"/>
+            </a:endParaRPr>
+          </a:p>
+          <a:p>
+            <a:pPr marL="285750" indent="-285750">
+              <a:buFont typeface="Arial"/>
+              <a:buChar char="•"/>
+              <a:defRPr/>
+            </a:pPr>
+            <a:r>
+              <a:rPr lang="ko-KR" altLang="en-US">
+                <a:solidFill>
+                  <a:srgbClr val="000000"/>
+                </a:solidFill>
+                <a:latin typeface="Calibri"/>
+                <a:ea typeface="맑은 고딕"/>
+              </a:rPr>
+              <a:t>구글 </a:t>
+            </a:r>
+            <a:r>
+              <a:rPr lang="en-US" altLang="ko-KR">
+                <a:solidFill>
+                  <a:srgbClr val="000000"/>
+                </a:solidFill>
+                <a:latin typeface="맑은 고딕"/>
+                <a:ea typeface="맑은 고딕"/>
+              </a:rPr>
+              <a:t>Ads</a:t>
+            </a:r>
+            <a:r>
+              <a:rPr lang="ko-KR" altLang="en-US">
+                <a:solidFill>
+                  <a:srgbClr val="000000"/>
+                </a:solidFill>
+                <a:latin typeface="Calibri"/>
+                <a:ea typeface="맑은 고딕"/>
+              </a:rPr>
+              <a:t>를 통한 검색 상위 노출 </a:t>
+            </a:r>
+            <a:endParaRPr lang="ko-KR" altLang="en-US">
+              <a:solidFill>
+                <a:srgbClr val="000000"/>
+              </a:solidFill>
+              <a:latin typeface="Calibri"/>
+              <a:ea typeface="맑은 고딕"/>
+            </a:endParaRPr>
+          </a:p>
+        </p:txBody>
+      </p:sp>
+      <p:sp>
+        <p:nvSpPr>
+          <p:cNvPr id="17" name="TextBox 10"/>
+          <p:cNvSpPr txBox="1"/>
+          <p:nvPr/>
+        </p:nvSpPr>
+        <p:spPr>
+          <a:xfrm>
+            <a:off x="11677649" y="1547615"/>
+            <a:ext cx="2660651" cy="4801314"/>
+          </a:xfrm>
+          <a:prstGeom prst="rect">
+            <a:avLst/>
+          </a:prstGeom>
+          <a:noFill/>
+        </p:spPr>
+        <p:txBody>
+          <a:bodyPr wrap="square">
+            <a:spAutoFit/>
+          </a:bodyPr>
+          <a:p>
+            <a:pPr marL="285750" indent="-285750">
+              <a:buFont typeface="Arial"/>
+              <a:buChar char="•"/>
+              <a:defRPr/>
+            </a:pPr>
+            <a:r>
+              <a:rPr lang="ko-KR" altLang="en-US">
+                <a:solidFill>
+                  <a:srgbClr val="000000"/>
+                </a:solidFill>
+                <a:latin typeface="Calibri"/>
+                <a:ea typeface="맑은 고딕"/>
+              </a:rPr>
+              <a:t>주고객층은 쓰레기 불법 투기를 단속하고자 하는 지방자치단체이다</a:t>
+            </a:r>
+            <a:r>
+              <a:rPr lang="en-US" altLang="ko-KR">
+                <a:solidFill>
+                  <a:srgbClr val="000000"/>
+                </a:solidFill>
+                <a:latin typeface="맑은 고딕"/>
+                <a:ea typeface="맑은 고딕"/>
+              </a:rPr>
+              <a:t>.</a:t>
+            </a:r>
+            <a:endParaRPr lang="en-US" altLang="ko-KR">
+              <a:solidFill>
+                <a:srgbClr val="000000"/>
+              </a:solidFill>
+              <a:latin typeface="맑은 고딕"/>
+              <a:ea typeface="맑은 고딕"/>
+            </a:endParaRPr>
+          </a:p>
+          <a:p>
+            <a:pPr marL="285750" indent="-285750">
+              <a:buFont typeface="Arial"/>
+              <a:buChar char="•"/>
+              <a:defRPr/>
+            </a:pPr>
+            <a:endParaRPr lang="en-US" altLang="ko-KR">
+              <a:solidFill>
+                <a:srgbClr val="000000"/>
+              </a:solidFill>
+              <a:latin typeface="맑은 고딕"/>
+              <a:ea typeface="맑은 고딕"/>
+            </a:endParaRPr>
+          </a:p>
+          <a:p>
+            <a:pPr marL="285750" indent="-285750">
+              <a:buFont typeface="Arial"/>
+              <a:buChar char="•"/>
+              <a:defRPr/>
+            </a:pPr>
+            <a:endParaRPr lang="en-US" altLang="ko-KR">
+              <a:solidFill>
+                <a:srgbClr val="000000"/>
+              </a:solidFill>
+              <a:latin typeface="맑은 고딕"/>
+              <a:ea typeface="맑은 고딕"/>
+            </a:endParaRPr>
+          </a:p>
+          <a:p>
+            <a:pPr marL="285750" indent="-285750">
+              <a:buFont typeface="Arial"/>
+              <a:buChar char="•"/>
+              <a:defRPr/>
+            </a:pPr>
+            <a:endParaRPr lang="en-US" altLang="ko-KR">
+              <a:solidFill>
+                <a:srgbClr val="000000"/>
+              </a:solidFill>
+              <a:latin typeface="맑은 고딕"/>
+              <a:ea typeface="맑은 고딕"/>
+            </a:endParaRPr>
+          </a:p>
+          <a:p>
+            <a:pPr marL="285750" indent="-285750">
+              <a:buFont typeface="Arial"/>
+              <a:buChar char="•"/>
+              <a:defRPr/>
+            </a:pPr>
+            <a:endParaRPr lang="en-US" altLang="ko-KR">
+              <a:solidFill>
+                <a:srgbClr val="000000"/>
+              </a:solidFill>
+              <a:latin typeface="맑은 고딕"/>
+              <a:ea typeface="맑은 고딕"/>
+            </a:endParaRPr>
+          </a:p>
+          <a:p>
+            <a:pPr marL="285750" indent="-285750">
+              <a:buFont typeface="Arial"/>
+              <a:buChar char="•"/>
+              <a:defRPr/>
+            </a:pPr>
+            <a:endParaRPr lang="en-US" altLang="ko-KR">
+              <a:solidFill>
+                <a:srgbClr val="000000"/>
+              </a:solidFill>
+              <a:latin typeface="맑은 고딕"/>
+              <a:ea typeface="맑은 고딕"/>
+            </a:endParaRPr>
+          </a:p>
+          <a:p>
+            <a:pPr marL="285750" indent="-285750">
+              <a:buFont typeface="Arial"/>
+              <a:buChar char="•"/>
+              <a:defRPr/>
+            </a:pPr>
+            <a:endParaRPr lang="en-US" altLang="ko-KR">
+              <a:solidFill>
+                <a:srgbClr val="000000"/>
+              </a:solidFill>
+              <a:latin typeface="맑은 고딕"/>
+              <a:ea typeface="맑은 고딕"/>
+            </a:endParaRPr>
+          </a:p>
+          <a:p>
+            <a:pPr marL="285750" indent="-285750">
+              <a:buFont typeface="Arial"/>
+              <a:buChar char="•"/>
+              <a:defRPr/>
+            </a:pPr>
+            <a:endParaRPr lang="en-US" altLang="ko-KR">
+              <a:solidFill>
+                <a:srgbClr val="000000"/>
+              </a:solidFill>
+              <a:latin typeface="맑은 고딕"/>
+              <a:ea typeface="맑은 고딕"/>
+            </a:endParaRPr>
+          </a:p>
+          <a:p>
+            <a:pPr marL="285750" indent="-285750">
+              <a:buFont typeface="Arial"/>
+              <a:buChar char="•"/>
+              <a:defRPr/>
+            </a:pPr>
+            <a:endParaRPr lang="en-US" altLang="ko-KR">
+              <a:solidFill>
+                <a:srgbClr val="000000"/>
+              </a:solidFill>
+              <a:latin typeface="맑은 고딕"/>
+              <a:ea typeface="맑은 고딕"/>
+            </a:endParaRPr>
+          </a:p>
+          <a:p>
+            <a:pPr marL="285750" indent="-285750">
+              <a:buFont typeface="Arial"/>
+              <a:buChar char="•"/>
+              <a:defRPr/>
+            </a:pPr>
+            <a:endParaRPr lang="en-US" altLang="ko-KR">
+              <a:solidFill>
+                <a:srgbClr val="000000"/>
+              </a:solidFill>
+              <a:latin typeface="맑은 고딕"/>
+              <a:ea typeface="맑은 고딕"/>
+            </a:endParaRPr>
+          </a:p>
+          <a:p>
+            <a:pPr marL="285750" indent="-285750">
+              <a:buFont typeface="Arial"/>
+              <a:buChar char="•"/>
+              <a:defRPr/>
+            </a:pPr>
+            <a:r>
+              <a:rPr lang="ko-KR" altLang="en-US">
+                <a:solidFill>
+                  <a:srgbClr val="000000"/>
+                </a:solidFill>
+                <a:latin typeface="Calibri"/>
+                <a:ea typeface="맑은 고딕"/>
+              </a:rPr>
+              <a:t>기존의 단속 카메라 시스템에 대한 불편함을  인지하고 있었던 지자체</a:t>
+            </a:r>
+            <a:endParaRPr lang="en-US" altLang="ko-KR">
+              <a:solidFill>
+                <a:srgbClr val="000000"/>
+              </a:solidFill>
+              <a:latin typeface="맑은 고딕"/>
+              <a:ea typeface="맑은 고딕"/>
+            </a:endParaRPr>
+          </a:p>
+        </p:txBody>
+      </p:sp>
     </p:spTree>
   </p:cSld>
   <p:clrMapOvr>
     <a:masterClrMapping/>
   </p:clrMapOvr>
+  <mc:AlternateContent xmlns:mc="http://schemas.openxmlformats.org/markup-compatibility/2006">
+    <mc:Choice xmlns:p14="http://schemas.microsoft.com/office/powerpoint/2010/main" Requires="p14">
+      <p:transition xmlns:mc="http://schemas.openxmlformats.org/markup-compatibility/2006" xmlns:p14="http://schemas.microsoft.com/office/powerpoint/2010/main" mc:Ignorable="p14" p14:dur="500"/>
+    </mc:Choice>
+    <mc:Fallback>
+      <p:transition/>
+    </mc:Fallback>
+  </mc:AlternateContent>
 </p:sld>
 </file>
 
 <file path=ppt/theme/theme1.xml><?xml version="1.0" encoding="utf-8"?>
-<a:theme xmlns:a="http://schemas.openxmlformats.org/drawingml/2006/main" name="Office Theme">
+<a:theme xmlns:r="http://schemas.openxmlformats.org/officeDocument/2006/relationships" xmlns:c="http://schemas.openxmlformats.org/drawingml/2006/chart" xmlns:dgm="http://schemas.openxmlformats.org/drawingml/2006/diagram" xmlns:dsp="http://schemas.microsoft.com/office/drawing/2008/diagram" xmlns:a="http://schemas.openxmlformats.org/drawingml/2006/main" xmlns:pic="http://schemas.openxmlformats.org/drawingml/2006/picture" xmlns:wp="http://schemas.openxmlformats.org/drawingml/2006/wordprocessingDrawing" xmlns:xdr="http://schemas.openxmlformats.org/drawingml/2006/spreadsheetDrawing" xmlns:lc="http://schemas.openxmlformats.org/drawingml/2006/lockedCanvas" xmlns:p="http://schemas.openxmlformats.org/presentationml/2006/main" name="Office Theme">
   <a:themeElements>
     <a:clrScheme name="Office">
       <a:dk1>
         <a:sysClr val="windowText" lastClr="000000"/>
       </a:dk1>
       <a:lt1>
-        <a:sysClr val="window" lastClr="FFFFFF"/>
+        <a:sysClr val="window" lastClr="ffffff"/>
       </a:lt1>
       <a:dk2>
-        <a:srgbClr val="1F497D"/>
+        <a:srgbClr val="1f497d"/>
       </a:dk2>
       <a:lt2>
-        <a:srgbClr val="EEECE1"/>
+        <a:srgbClr val="eeece1"/>
       </a:lt2>
       <a:accent1>
-        <a:srgbClr val="4F81BD"/>
+        <a:srgbClr val="4f81bd"/>
       </a:accent1>
       <a:accent2>
-        <a:srgbClr val="C0504D"/>
+        <a:srgbClr val="c0504d"/>
       </a:accent2>
       <a:accent3>
-        <a:srgbClr val="9BBB59"/>
+        <a:srgbClr val="9bbb59"/>
       </a:accent3>
       <a:accent4>
-        <a:srgbClr val="8064A2"/>
+        <a:srgbClr val="8064a2"/>
       </a:accent4>
       <a:accent5>
-        <a:srgbClr val="4BACC6"/>
+        <a:srgbClr val="4bacc6"/>
       </a:accent5>
       <a:accent6>
-        <a:srgbClr val="F79646"/>
+        <a:srgbClr val="f79646"/>
       </a:accent6>
       <a:hlink>
-        <a:srgbClr val="0000FF"/>
+        <a:srgbClr val="0000ff"/>
       </a:hlink>
       <a:folHlink>
         <a:srgbClr val="800080"/>
@@ -1328,9 +2816,9 @@
         <a:latin typeface="Calibri"/>
         <a:ea typeface=""/>
         <a:cs typeface=""/>
-        <a:font script="Jpan" typeface="ＭＳ Ｐゴシック"/>
+        <a:font script="Jpan" typeface="MS PGothic"/>
         <a:font script="Hang" typeface="맑은 고딕"/>
-        <a:font script="Hans" typeface="宋体"/>
+        <a:font script="Hans" typeface="SimSun"/>
         <a:font script="Hant" typeface="新細明體"/>
         <a:font script="Arab" typeface="Times New Roman"/>
         <a:font script="Hebr" typeface="Times New Roman"/>
@@ -1362,9 +2850,9 @@
         <a:latin typeface="Calibri"/>
         <a:ea typeface=""/>
         <a:cs typeface=""/>
-        <a:font script="Jpan" typeface="ＭＳ Ｐゴシック"/>
+        <a:font script="Jpan" typeface="MS PGothic"/>
         <a:font script="Hang" typeface="맑은 고딕"/>
-        <a:font script="Hans" typeface="宋体"/>
+        <a:font script="Hans" typeface="SimSun"/>
         <a:font script="Hant" typeface="新細明體"/>
         <a:font script="Arab" typeface="Arial"/>
         <a:font script="Hebr" typeface="Arial"/>
@@ -1560,7 +3048,5 @@
       </a:bgFillStyleLst>
     </a:fmtScheme>
   </a:themeElements>
-  <a:objectDefaults/>
-  <a:extraClrSchemeLst/>
 </a:theme>
 </file>
--- a/Document/Preliminary Submissions/4.1 Lean Canvas.pptx
+++ b/Document/Preliminary Submissions/4.1 Lean Canvas.pptx
@@ -2,7 +2,7 @@
 <file path=ppt/presentation.xml><?xml version="1.0" encoding="utf-8"?>
 <p:presentation xmlns:r="http://schemas.openxmlformats.org/officeDocument/2006/relationships" xmlns:c="http://schemas.openxmlformats.org/drawingml/2006/chart" xmlns:a="http://schemas.openxmlformats.org/drawingml/2006/main" xmlns:dgm="http://schemas.openxmlformats.org/drawingml/2006/diagram" xmlns:dsp="http://schemas.microsoft.com/office/drawing/2008/diagram" xmlns:p="http://schemas.openxmlformats.org/presentationml/2006/main">
   <p:sldMasterIdLst>
-    <p:sldMasterId id="2147483666" r:id="rId1"/>
+    <p:sldMasterId id="2147483667" r:id="rId1"/>
   </p:sldMasterIdLst>
   <p:sldIdLst>
     <p:sldId id="256" r:id="rId2"/>
@@ -2099,7 +2099,7 @@
         <p:spPr>
           <a:xfrm>
             <a:off x="5956300" y="1867932"/>
-            <a:ext cx="3048000" cy="4801314"/>
+            <a:ext cx="3048000" cy="4750038"/>
           </a:xfrm>
           <a:prstGeom prst="rect">
             <a:avLst/>
@@ -2281,6 +2281,20 @@
                 <a:srgbClr val="000000"/>
               </a:solidFill>
               <a:latin typeface="맑은 고딕"/>
+              <a:ea typeface="맑은 고딕"/>
+            </a:endParaRPr>
+          </a:p>
+          <a:p>
+            <a:pPr marL="285750" indent="-285750">
+              <a:buFont typeface="Arial"/>
+              <a:buChar char="•"/>
+              <a:defRPr/>
+            </a:pPr>
+            <a:endParaRPr lang="ko-KR" altLang="en-US">
+              <a:solidFill>
+                <a:srgbClr val="000000"/>
+              </a:solidFill>
+              <a:latin typeface="Calibri"/>
               <a:ea typeface="맑은 고딕"/>
             </a:endParaRPr>
           </a:p>
